--- a/Presentation-v2.pptx
+++ b/Presentation-v2.pptx
@@ -203,7 +203,7 @@
           <a:p>
             <a:fld id="{670C9F3B-FF2E-4C84-91B4-62947A895780}" type="datetimeFigureOut">
               <a:rPr lang="en-US" smtClean="0"/>
-              <a:t>9/16/2020</a:t>
+              <a:t>9/17/2020</a:t>
             </a:fld>
             <a:endParaRPr lang="en-US" dirty="0"/>
           </a:p>
@@ -1042,7 +1042,10 @@
           <a:bodyPr/>
           <a:lstStyle/>
           <a:p>
-            <a:endParaRPr lang="en-US" dirty="0"/>
+            <a:r>
+              <a:rPr lang="en-US" dirty="0"/>
+              <a:t>Based on linear regressions, we can predict increases in all population’s share of the total workforce and of higher level jobs, but if nothing else changes, the advancement ratios will continue to be relatively small in most cases.  So the next question we asked was, what else might have to change to move ratios higher.</a:t>
+            </a:r>
           </a:p>
         </p:txBody>
       </p:sp>
@@ -1229,7 +1232,7 @@
           <a:p>
             <a:fld id="{877EF6E0-2C0E-4495-974E-61651D867156}" type="datetimeFigureOut">
               <a:rPr lang="en-US" smtClean="0"/>
-              <a:t>9/16/2020</a:t>
+              <a:t>9/17/2020</a:t>
             </a:fld>
             <a:endParaRPr lang="en-US" dirty="0"/>
           </a:p>
@@ -1427,7 +1430,7 @@
           <a:p>
             <a:fld id="{877EF6E0-2C0E-4495-974E-61651D867156}" type="datetimeFigureOut">
               <a:rPr lang="en-US" smtClean="0"/>
-              <a:t>9/16/2020</a:t>
+              <a:t>9/17/2020</a:t>
             </a:fld>
             <a:endParaRPr lang="en-US" dirty="0"/>
           </a:p>
@@ -1635,7 +1638,7 @@
           <a:p>
             <a:fld id="{877EF6E0-2C0E-4495-974E-61651D867156}" type="datetimeFigureOut">
               <a:rPr lang="en-US" smtClean="0"/>
-              <a:t>9/16/2020</a:t>
+              <a:t>9/17/2020</a:t>
             </a:fld>
             <a:endParaRPr lang="en-US" dirty="0"/>
           </a:p>
@@ -1833,7 +1836,7 @@
           <a:p>
             <a:fld id="{877EF6E0-2C0E-4495-974E-61651D867156}" type="datetimeFigureOut">
               <a:rPr lang="en-US" smtClean="0"/>
-              <a:t>9/16/2020</a:t>
+              <a:t>9/17/2020</a:t>
             </a:fld>
             <a:endParaRPr lang="en-US" dirty="0"/>
           </a:p>
@@ -2108,7 +2111,7 @@
           <a:p>
             <a:fld id="{877EF6E0-2C0E-4495-974E-61651D867156}" type="datetimeFigureOut">
               <a:rPr lang="en-US" smtClean="0"/>
-              <a:t>9/16/2020</a:t>
+              <a:t>9/17/2020</a:t>
             </a:fld>
             <a:endParaRPr lang="en-US" dirty="0"/>
           </a:p>
@@ -2373,7 +2376,7 @@
           <a:p>
             <a:fld id="{877EF6E0-2C0E-4495-974E-61651D867156}" type="datetimeFigureOut">
               <a:rPr lang="en-US" smtClean="0"/>
-              <a:t>9/16/2020</a:t>
+              <a:t>9/17/2020</a:t>
             </a:fld>
             <a:endParaRPr lang="en-US" dirty="0"/>
           </a:p>
@@ -2785,7 +2788,7 @@
           <a:p>
             <a:fld id="{877EF6E0-2C0E-4495-974E-61651D867156}" type="datetimeFigureOut">
               <a:rPr lang="en-US" smtClean="0"/>
-              <a:t>9/16/2020</a:t>
+              <a:t>9/17/2020</a:t>
             </a:fld>
             <a:endParaRPr lang="en-US" dirty="0"/>
           </a:p>
@@ -2926,7 +2929,7 @@
           <a:p>
             <a:fld id="{877EF6E0-2C0E-4495-974E-61651D867156}" type="datetimeFigureOut">
               <a:rPr lang="en-US" smtClean="0"/>
-              <a:t>9/16/2020</a:t>
+              <a:t>9/17/2020</a:t>
             </a:fld>
             <a:endParaRPr lang="en-US" dirty="0"/>
           </a:p>
@@ -3039,7 +3042,7 @@
           <a:p>
             <a:fld id="{877EF6E0-2C0E-4495-974E-61651D867156}" type="datetimeFigureOut">
               <a:rPr lang="en-US" smtClean="0"/>
-              <a:t>9/16/2020</a:t>
+              <a:t>9/17/2020</a:t>
             </a:fld>
             <a:endParaRPr lang="en-US" dirty="0"/>
           </a:p>
@@ -3350,7 +3353,7 @@
           <a:p>
             <a:fld id="{877EF6E0-2C0E-4495-974E-61651D867156}" type="datetimeFigureOut">
               <a:rPr lang="en-US" smtClean="0"/>
-              <a:t>9/16/2020</a:t>
+              <a:t>9/17/2020</a:t>
             </a:fld>
             <a:endParaRPr lang="en-US" dirty="0"/>
           </a:p>
@@ -3638,7 +3641,7 @@
           <a:p>
             <a:fld id="{877EF6E0-2C0E-4495-974E-61651D867156}" type="datetimeFigureOut">
               <a:rPr lang="en-US" smtClean="0"/>
-              <a:t>9/16/2020</a:t>
+              <a:t>9/17/2020</a:t>
             </a:fld>
             <a:endParaRPr lang="en-US" dirty="0"/>
           </a:p>
@@ -3879,7 +3882,7 @@
           <a:p>
             <a:fld id="{877EF6E0-2C0E-4495-974E-61651D867156}" type="datetimeFigureOut">
               <a:rPr lang="en-US" smtClean="0"/>
-              <a:t>9/16/2020</a:t>
+              <a:t>9/17/2020</a:t>
             </a:fld>
             <a:endParaRPr lang="en-US" dirty="0"/>
           </a:p>
@@ -4524,14 +4527,33 @@
           <a:lstStyle/>
           <a:p>
             <a:r>
-              <a:rPr lang="en-US" sz="2800" b="1" dirty="0">
+              <a:rPr lang="en-US" b="1" dirty="0">
                 <a:solidFill>
                   <a:schemeClr val="accent1">
                     <a:lumMod val="75000"/>
                   </a:schemeClr>
                 </a:solidFill>
               </a:rPr>
-              <a:t>Advancement ratios (job category/total workforce</a:t>
+              <a:t>Female Representation</a:t>
+            </a:r>
+            <a:br>
+              <a:rPr lang="en-US" b="1" dirty="0">
+                <a:solidFill>
+                  <a:schemeClr val="accent1">
+                    <a:lumMod val="75000"/>
+                  </a:schemeClr>
+                </a:solidFill>
+              </a:rPr>
+            </a:br>
+            <a:r>
+              <a:rPr lang="en-US" b="1" dirty="0">
+                <a:solidFill>
+                  <a:schemeClr val="accent1">
+                    <a:lumMod val="75000"/>
+                  </a:schemeClr>
+                </a:solidFill>
+              </a:rPr>
+              <a:t>2010 to 2019</a:t>
             </a:r>
           </a:p>
         </p:txBody>
@@ -4595,6 +4617,28 @@
           </a:bodyPr>
           <a:lstStyle/>
           <a:p>
+            <a:endParaRPr lang="en-US" sz="2000" dirty="0"/>
+          </a:p>
+          <a:p>
+            <a:endParaRPr lang="en-US" sz="2000" b="1" dirty="0">
+              <a:solidFill>
+                <a:schemeClr val="accent1">
+                  <a:lumMod val="75000"/>
+                </a:schemeClr>
+              </a:solidFill>
+            </a:endParaRPr>
+          </a:p>
+          <a:p>
+            <a:r>
+              <a:rPr lang="en-US" sz="2000" b="1" dirty="0">
+                <a:solidFill>
+                  <a:schemeClr val="accent1">
+                    <a:lumMod val="75000"/>
+                  </a:schemeClr>
+                </a:solidFill>
+              </a:rPr>
+              <a:t>Advancement ratios (job category/total workforce</a:t>
+            </a:r>
             <a:endParaRPr lang="en-US" sz="2000" dirty="0"/>
           </a:p>
           <a:p>
@@ -4671,7 +4715,80 @@
           <a:lstStyle/>
           <a:p>
             <a:r>
-              <a:rPr lang="en-US" sz="2800" b="1" dirty="0">
+              <a:rPr lang="en-US" b="1" dirty="0">
+                <a:solidFill>
+                  <a:schemeClr val="accent1">
+                    <a:lumMod val="75000"/>
+                  </a:schemeClr>
+                </a:solidFill>
+              </a:rPr>
+              <a:t>African-American Representation</a:t>
+            </a:r>
+            <a:br>
+              <a:rPr lang="en-US" b="1" dirty="0">
+                <a:solidFill>
+                  <a:schemeClr val="accent1">
+                    <a:lumMod val="75000"/>
+                  </a:schemeClr>
+                </a:solidFill>
+              </a:rPr>
+            </a:br>
+            <a:r>
+              <a:rPr lang="en-US" b="1" dirty="0">
+                <a:solidFill>
+                  <a:schemeClr val="accent1">
+                    <a:lumMod val="75000"/>
+                  </a:schemeClr>
+                </a:solidFill>
+              </a:rPr>
+              <a:t>2010 to 2019</a:t>
+            </a:r>
+            <a:endParaRPr lang="en-US" b="1" dirty="0"/>
+          </a:p>
+        </p:txBody>
+      </p:sp>
+      <p:sp>
+        <p:nvSpPr>
+          <p:cNvPr id="6" name="Text Placeholder 5">
+            <a:extLst>
+              <a:ext uri="{FF2B5EF4-FFF2-40B4-BE49-F238E27FC236}">
+                <a16:creationId xmlns:a16="http://schemas.microsoft.com/office/drawing/2014/main" id="{FE12DE87-1F6C-4B78-A30C-03A45341B2CA}"/>
+              </a:ext>
+            </a:extLst>
+          </p:cNvPr>
+          <p:cNvSpPr>
+            <a:spLocks noGrp="1"/>
+          </p:cNvSpPr>
+          <p:nvPr>
+            <p:ph type="body" sz="half" idx="2"/>
+          </p:nvPr>
+        </p:nvSpPr>
+        <p:spPr>
+          <a:xfrm>
+            <a:off x="839788" y="2057400"/>
+            <a:ext cx="3932237" cy="4419600"/>
+          </a:xfrm>
+        </p:spPr>
+        <p:txBody>
+          <a:bodyPr>
+            <a:normAutofit/>
+          </a:bodyPr>
+          <a:lstStyle/>
+          <a:p>
+            <a:endParaRPr lang="en-US" sz="2000" dirty="0"/>
+          </a:p>
+          <a:p>
+            <a:endParaRPr lang="en-US" sz="2000" b="1" dirty="0">
+              <a:solidFill>
+                <a:schemeClr val="accent1">
+                  <a:lumMod val="75000"/>
+                </a:schemeClr>
+              </a:solidFill>
+            </a:endParaRPr>
+          </a:p>
+          <a:p>
+            <a:r>
+              <a:rPr lang="en-US" sz="2000" b="1" dirty="0">
                 <a:solidFill>
                   <a:schemeClr val="accent1">
                     <a:lumMod val="75000"/>
@@ -4680,38 +4797,6 @@
               </a:rPr>
               <a:t>Advancement ratios (job category/total workforce</a:t>
             </a:r>
-            <a:endParaRPr lang="en-US" sz="2800" b="1" dirty="0"/>
-          </a:p>
-        </p:txBody>
-      </p:sp>
-      <p:sp>
-        <p:nvSpPr>
-          <p:cNvPr id="6" name="Text Placeholder 5">
-            <a:extLst>
-              <a:ext uri="{FF2B5EF4-FFF2-40B4-BE49-F238E27FC236}">
-                <a16:creationId xmlns:a16="http://schemas.microsoft.com/office/drawing/2014/main" id="{FE12DE87-1F6C-4B78-A30C-03A45341B2CA}"/>
-              </a:ext>
-            </a:extLst>
-          </p:cNvPr>
-          <p:cNvSpPr>
-            <a:spLocks noGrp="1"/>
-          </p:cNvSpPr>
-          <p:nvPr>
-            <p:ph type="body" sz="half" idx="2"/>
-          </p:nvPr>
-        </p:nvSpPr>
-        <p:spPr>
-          <a:xfrm>
-            <a:off x="839788" y="2057400"/>
-            <a:ext cx="3932237" cy="4419600"/>
-          </a:xfrm>
-        </p:spPr>
-        <p:txBody>
-          <a:bodyPr>
-            <a:normAutofit/>
-          </a:bodyPr>
-          <a:lstStyle/>
-          <a:p>
             <a:endParaRPr lang="en-US" sz="2000" dirty="0"/>
           </a:p>
           <a:p>
@@ -4822,7 +4907,7 @@
         <p:spPr/>
         <p:txBody>
           <a:bodyPr>
-            <a:normAutofit fontScale="90000"/>
+            <a:normAutofit/>
           </a:bodyPr>
           <a:lstStyle/>
           <a:p>
@@ -4836,7 +4921,95 @@
               </a:rPr>
             </a:br>
             <a:r>
-              <a:rPr lang="en-US" sz="3100" b="1" dirty="0">
+              <a:rPr lang="en-US" b="1" dirty="0">
+                <a:solidFill>
+                  <a:schemeClr val="accent1">
+                    <a:lumMod val="75000"/>
+                  </a:schemeClr>
+                </a:solidFill>
+              </a:rPr>
+              <a:t>Asian Representation</a:t>
+            </a:r>
+            <a:br>
+              <a:rPr lang="en-US" b="1" dirty="0">
+                <a:solidFill>
+                  <a:schemeClr val="accent1">
+                    <a:lumMod val="75000"/>
+                  </a:schemeClr>
+                </a:solidFill>
+              </a:rPr>
+            </a:br>
+            <a:r>
+              <a:rPr lang="en-US" b="1" dirty="0">
+                <a:solidFill>
+                  <a:schemeClr val="accent1">
+                    <a:lumMod val="75000"/>
+                  </a:schemeClr>
+                </a:solidFill>
+              </a:rPr>
+              <a:t>2010 to 2019</a:t>
+            </a:r>
+          </a:p>
+        </p:txBody>
+      </p:sp>
+      <p:sp>
+        <p:nvSpPr>
+          <p:cNvPr id="6" name="Text Placeholder 5">
+            <a:extLst>
+              <a:ext uri="{FF2B5EF4-FFF2-40B4-BE49-F238E27FC236}">
+                <a16:creationId xmlns:a16="http://schemas.microsoft.com/office/drawing/2014/main" id="{FE12DE87-1F6C-4B78-A30C-03A45341B2CA}"/>
+              </a:ext>
+            </a:extLst>
+          </p:cNvPr>
+          <p:cNvSpPr>
+            <a:spLocks noGrp="1"/>
+          </p:cNvSpPr>
+          <p:nvPr>
+            <p:ph type="body" sz="half" idx="2"/>
+          </p:nvPr>
+        </p:nvSpPr>
+        <p:spPr/>
+        <p:txBody>
+          <a:bodyPr>
+            <a:noAutofit/>
+          </a:bodyPr>
+          <a:lstStyle/>
+          <a:p>
+            <a:pPr>
+              <a:spcBef>
+                <a:spcPts val="0"/>
+              </a:spcBef>
+            </a:pPr>
+            <a:endParaRPr lang="en-US" sz="2000" b="1" dirty="0">
+              <a:solidFill>
+                <a:schemeClr val="accent1">
+                  <a:lumMod val="75000"/>
+                </a:schemeClr>
+              </a:solidFill>
+            </a:endParaRPr>
+          </a:p>
+          <a:p>
+            <a:pPr>
+              <a:spcBef>
+                <a:spcPts val="0"/>
+              </a:spcBef>
+            </a:pPr>
+            <a:endParaRPr lang="en-US" sz="2000" b="1" dirty="0">
+              <a:solidFill>
+                <a:schemeClr val="accent1">
+                  <a:lumMod val="75000"/>
+                </a:schemeClr>
+              </a:solidFill>
+            </a:endParaRPr>
+          </a:p>
+          <a:p>
+            <a:pPr>
+              <a:spcBef>
+                <a:spcPts val="0"/>
+              </a:spcBef>
+            </a:pPr>
+            <a:r>
+              <a:rPr lang="en-US" sz="2000" b="1" dirty="0">
                 <a:solidFill>
                   <a:schemeClr val="accent1">
                     <a:lumMod val="75000"/>
@@ -4845,38 +5018,6 @@
               </a:rPr>
               <a:t>Advancement ratios (job category/total workforce</a:t>
             </a:r>
-          </a:p>
-        </p:txBody>
-      </p:sp>
-      <p:sp>
-        <p:nvSpPr>
-          <p:cNvPr id="6" name="Text Placeholder 5">
-            <a:extLst>
-              <a:ext uri="{FF2B5EF4-FFF2-40B4-BE49-F238E27FC236}">
-                <a16:creationId xmlns:a16="http://schemas.microsoft.com/office/drawing/2014/main" id="{FE12DE87-1F6C-4B78-A30C-03A45341B2CA}"/>
-              </a:ext>
-            </a:extLst>
-          </p:cNvPr>
-          <p:cNvSpPr>
-            <a:spLocks noGrp="1"/>
-          </p:cNvSpPr>
-          <p:nvPr>
-            <p:ph type="body" sz="half" idx="2"/>
-          </p:nvPr>
-        </p:nvSpPr>
-        <p:spPr/>
-        <p:txBody>
-          <a:bodyPr>
-            <a:noAutofit/>
-          </a:bodyPr>
-          <a:lstStyle/>
-          <a:p>
-            <a:pPr>
-              <a:spcBef>
-                <a:spcPts val="0"/>
-              </a:spcBef>
-            </a:pPr>
-            <a:endParaRPr lang="en-US" sz="2000" dirty="0"/>
           </a:p>
           <a:p>
             <a:r>
@@ -4991,7 +5132,93 @@
           <a:lstStyle/>
           <a:p>
             <a:r>
-              <a:rPr lang="en-US" sz="2800" b="1" dirty="0">
+              <a:rPr lang="en-US" b="1" dirty="0">
+                <a:solidFill>
+                  <a:schemeClr val="accent1">
+                    <a:lumMod val="75000"/>
+                  </a:schemeClr>
+                </a:solidFill>
+              </a:rPr>
+              <a:t>Latinx Representation</a:t>
+            </a:r>
+            <a:br>
+              <a:rPr lang="en-US" b="1" dirty="0">
+                <a:solidFill>
+                  <a:schemeClr val="accent1">
+                    <a:lumMod val="75000"/>
+                  </a:schemeClr>
+                </a:solidFill>
+              </a:rPr>
+            </a:br>
+            <a:r>
+              <a:rPr lang="en-US" b="1" dirty="0">
+                <a:solidFill>
+                  <a:schemeClr val="accent1">
+                    <a:lumMod val="75000"/>
+                  </a:schemeClr>
+                </a:solidFill>
+              </a:rPr>
+              <a:t>2010 to 2019</a:t>
+            </a:r>
+          </a:p>
+        </p:txBody>
+      </p:sp>
+      <p:sp>
+        <p:nvSpPr>
+          <p:cNvPr id="6" name="Text Placeholder 5">
+            <a:extLst>
+              <a:ext uri="{FF2B5EF4-FFF2-40B4-BE49-F238E27FC236}">
+                <a16:creationId xmlns:a16="http://schemas.microsoft.com/office/drawing/2014/main" id="{FE12DE87-1F6C-4B78-A30C-03A45341B2CA}"/>
+              </a:ext>
+            </a:extLst>
+          </p:cNvPr>
+          <p:cNvSpPr>
+            <a:spLocks noGrp="1"/>
+          </p:cNvSpPr>
+          <p:nvPr>
+            <p:ph type="body" sz="half" idx="2"/>
+          </p:nvPr>
+        </p:nvSpPr>
+        <p:spPr/>
+        <p:txBody>
+          <a:bodyPr/>
+          <a:lstStyle/>
+          <a:p>
+            <a:pPr>
+              <a:spcBef>
+                <a:spcPts val="0"/>
+              </a:spcBef>
+            </a:pPr>
+            <a:endParaRPr lang="en-US" sz="2000" b="1" dirty="0">
+              <a:solidFill>
+                <a:schemeClr val="accent1">
+                  <a:lumMod val="75000"/>
+                </a:schemeClr>
+              </a:solidFill>
+            </a:endParaRPr>
+          </a:p>
+          <a:p>
+            <a:pPr>
+              <a:spcBef>
+                <a:spcPts val="0"/>
+              </a:spcBef>
+            </a:pPr>
+            <a:endParaRPr lang="en-US" sz="2000" b="1" dirty="0">
+              <a:solidFill>
+                <a:schemeClr val="accent1">
+                  <a:lumMod val="75000"/>
+                </a:schemeClr>
+              </a:solidFill>
+            </a:endParaRPr>
+          </a:p>
+          <a:p>
+            <a:pPr>
+              <a:spcBef>
+                <a:spcPts val="0"/>
+              </a:spcBef>
+            </a:pPr>
+            <a:r>
+              <a:rPr lang="en-US" sz="2000" b="1" dirty="0">
                 <a:solidFill>
                   <a:schemeClr val="accent1">
                     <a:lumMod val="75000"/>
@@ -5000,35 +5227,6 @@
               </a:rPr>
               <a:t>Advancement ratios (job category/total workforce</a:t>
             </a:r>
-          </a:p>
-        </p:txBody>
-      </p:sp>
-      <p:sp>
-        <p:nvSpPr>
-          <p:cNvPr id="6" name="Text Placeholder 5">
-            <a:extLst>
-              <a:ext uri="{FF2B5EF4-FFF2-40B4-BE49-F238E27FC236}">
-                <a16:creationId xmlns:a16="http://schemas.microsoft.com/office/drawing/2014/main" id="{FE12DE87-1F6C-4B78-A30C-03A45341B2CA}"/>
-              </a:ext>
-            </a:extLst>
-          </p:cNvPr>
-          <p:cNvSpPr>
-            <a:spLocks noGrp="1"/>
-          </p:cNvSpPr>
-          <p:nvPr>
-            <p:ph type="body" sz="half" idx="2"/>
-          </p:nvPr>
-        </p:nvSpPr>
-        <p:spPr/>
-        <p:txBody>
-          <a:bodyPr/>
-          <a:lstStyle/>
-          <a:p>
-            <a:pPr>
-              <a:spcBef>
-                <a:spcPts val="0"/>
-              </a:spcBef>
-            </a:pPr>
             <a:endParaRPr lang="en-US" sz="2000" dirty="0"/>
           </a:p>
           <a:p>
@@ -5142,7 +5340,11 @@
           <a:lstStyle/>
           <a:p>
             <a:r>
-              <a:rPr lang="en-US" dirty="0"/>
+              <a:rPr lang="en-US" b="1" dirty="0">
+                <a:solidFill>
+                  <a:srgbClr val="002060"/>
+                </a:solidFill>
+              </a:rPr>
               <a:t>Change in Representation, 2010 v. 2019</a:t>
             </a:r>
           </a:p>
@@ -5270,50 +5472,39 @@
           <a:bodyPr/>
           <a:lstStyle/>
           <a:p>
-            <a:endParaRPr lang="en-US" dirty="0"/>
-          </a:p>
-        </p:txBody>
-      </p:sp>
-      <p:sp>
-        <p:nvSpPr>
-          <p:cNvPr id="3" name="Picture Placeholder 2">
-            <a:extLst>
-              <a:ext uri="{FF2B5EF4-FFF2-40B4-BE49-F238E27FC236}">
-                <a16:creationId xmlns:a16="http://schemas.microsoft.com/office/drawing/2014/main" id="{CBA92CE0-8422-49C4-9685-FC7D7E52C1BC}"/>
-              </a:ext>
-            </a:extLst>
-          </p:cNvPr>
-          <p:cNvSpPr>
-            <a:spLocks noGrp="1"/>
-          </p:cNvSpPr>
-          <p:nvPr>
-            <p:ph type="pic" idx="1"/>
-          </p:nvPr>
-        </p:nvSpPr>
-        <p:spPr/>
-      </p:sp>
-      <p:sp>
-        <p:nvSpPr>
-          <p:cNvPr id="4" name="Text Placeholder 3">
-            <a:extLst>
-              <a:ext uri="{FF2B5EF4-FFF2-40B4-BE49-F238E27FC236}">
-                <a16:creationId xmlns:a16="http://schemas.microsoft.com/office/drawing/2014/main" id="{48A38363-EB9A-4A27-8C05-4B232CD875CE}"/>
-              </a:ext>
-            </a:extLst>
-          </p:cNvPr>
-          <p:cNvSpPr>
-            <a:spLocks noGrp="1"/>
-          </p:cNvSpPr>
-          <p:nvPr>
-            <p:ph type="body" sz="half" idx="2"/>
-          </p:nvPr>
-        </p:nvSpPr>
-        <p:spPr/>
-        <p:txBody>
-          <a:bodyPr/>
-          <a:lstStyle/>
-          <a:p>
-            <a:endParaRPr lang="en-US" dirty="0"/>
+            <a:r>
+              <a:rPr lang="en-US" b="1" dirty="0">
+                <a:solidFill>
+                  <a:srgbClr val="002060"/>
+                </a:solidFill>
+              </a:rPr>
+              <a:t>Predicted Representation in 2030</a:t>
+            </a:r>
+          </a:p>
+        </p:txBody>
+      </p:sp>
+      <p:sp>
+        <p:nvSpPr>
+          <p:cNvPr id="5" name="Content Placeholder 4">
+            <a:extLst>
+              <a:ext uri="{FF2B5EF4-FFF2-40B4-BE49-F238E27FC236}">
+                <a16:creationId xmlns:a16="http://schemas.microsoft.com/office/drawing/2014/main" id="{9AD2D790-D1FC-4816-9418-FBB44F4DC0FF}"/>
+              </a:ext>
+            </a:extLst>
+          </p:cNvPr>
+          <p:cNvSpPr>
+            <a:spLocks noGrp="1"/>
+          </p:cNvSpPr>
+          <p:nvPr>
+            <p:ph idx="1"/>
+          </p:nvPr>
+        </p:nvSpPr>
+        <p:spPr/>
+        <p:txBody>
+          <a:bodyPr/>
+          <a:lstStyle/>
+          <a:p>
+            <a:endParaRPr lang="en-US"/>
           </a:p>
         </p:txBody>
       </p:sp>
